--- a/Présentation1.pptx
+++ b/Présentation1.pptx
@@ -8,13 +8,14 @@
     <p:sldId id="256" r:id="rId2"/>
     <p:sldId id="257" r:id="rId3"/>
     <p:sldId id="258" r:id="rId4"/>
-    <p:sldId id="259" r:id="rId5"/>
-    <p:sldId id="260" r:id="rId6"/>
-    <p:sldId id="261" r:id="rId7"/>
-    <p:sldId id="262" r:id="rId8"/>
-    <p:sldId id="263" r:id="rId9"/>
-    <p:sldId id="264" r:id="rId10"/>
-    <p:sldId id="265" r:id="rId11"/>
+    <p:sldId id="266" r:id="rId5"/>
+    <p:sldId id="259" r:id="rId6"/>
+    <p:sldId id="260" r:id="rId7"/>
+    <p:sldId id="261" r:id="rId8"/>
+    <p:sldId id="262" r:id="rId9"/>
+    <p:sldId id="263" r:id="rId10"/>
+    <p:sldId id="264" r:id="rId11"/>
+    <p:sldId id="265" r:id="rId12"/>
   </p:sldIdLst>
   <p:sldSz cx="12192000" cy="6858000"/>
   <p:notesSz cx="6858000" cy="9144000"/>
@@ -113,6 +114,11 @@
       </a:defRPr>
     </a:lvl9pPr>
   </p:defaultTextStyle>
+  <p:extLst>
+    <p:ext uri="{EFAFB233-063F-42B5-8137-9DF3F51BA10A}">
+      <p15:sldGuideLst xmlns:p15="http://schemas.microsoft.com/office/powerpoint/2012/main"/>
+    </p:ext>
+  </p:extLst>
 </p:presentation>
 </file>
 
@@ -211,7 +217,7 @@
           <a:effectLst/>
           <a:extLst>
             <a:ext uri="{91240B29-F687-4f45-9708-019B960494DF}">
-              <a14:hiddenLine xmlns:a14="http://schemas.microsoft.com/office/drawing/2010/main" xmlns="" w="9525">
+              <a14:hiddenLine xmlns="" xmlns:a14="http://schemas.microsoft.com/office/drawing/2010/main" w="9525">
                 <a:solidFill>
                   <a:srgbClr val="000000"/>
                 </a:solidFill>
@@ -404,7 +410,7 @@
             <a:fld id="{08B9EBBA-996F-894A-B54A-D6246ED52CEA}" type="datetimeFigureOut">
               <a:rPr lang="en-US" dirty="0"/>
               <a:pPr/>
-              <a:t>5/5/19</a:t>
+              <a:t>5/5/2019</a:t>
             </a:fld>
             <a:endParaRPr lang="en-US" dirty="0"/>
           </a:p>
@@ -719,7 +725,7 @@
             <a:fld id="{18C79C5D-2A6F-F04D-97DA-BEF2467B64E4}" type="datetimeFigureOut">
               <a:rPr lang="en-US" dirty="0"/>
               <a:pPr/>
-              <a:t>5/5/19</a:t>
+              <a:t>5/5/2019</a:t>
             </a:fld>
             <a:endParaRPr lang="en-US" dirty="0"/>
           </a:p>
@@ -1204,7 +1210,7 @@
             <a:fld id="{8DFA1846-DA80-1C48-A609-854EA85C59AD}" type="datetimeFigureOut">
               <a:rPr lang="en-US" dirty="0"/>
               <a:pPr/>
-              <a:t>5/5/19</a:t>
+              <a:t>5/5/2019</a:t>
             </a:fld>
             <a:endParaRPr lang="en-US" dirty="0"/>
           </a:p>
@@ -1570,7 +1576,7 @@
             <a:fld id="{FBF54567-0DE4-3F47-BF90-CB84690072F9}" type="datetimeFigureOut">
               <a:rPr lang="en-US" dirty="0"/>
               <a:pPr/>
-              <a:t>5/5/19</a:t>
+              <a:t>5/5/2019</a:t>
             </a:fld>
             <a:endParaRPr lang="en-US" dirty="0"/>
           </a:p>
@@ -1721,7 +1727,7 @@
           <a:ln/>
           <a:extLst>
             <a:ext uri="{91240B29-F687-4f45-9708-019B960494DF}">
-              <a14:hiddenLine xmlns:a14="http://schemas.microsoft.com/office/drawing/2010/main" xmlns="" w="9525">
+              <a14:hiddenLine xmlns="" xmlns:a14="http://schemas.microsoft.com/office/drawing/2010/main" w="9525">
                 <a:solidFill>
                   <a:srgbClr val="000000"/>
                 </a:solidFill>
@@ -1840,7 +1846,7 @@
             <a:fld id="{C6C52C72-DE31-F449-A4ED-4C594FD91407}" type="datetimeFigureOut">
               <a:rPr lang="en-US" dirty="0"/>
               <a:pPr/>
-              <a:t>5/5/19</a:t>
+              <a:t>5/5/2019</a:t>
             </a:fld>
             <a:endParaRPr lang="en-US" dirty="0"/>
           </a:p>
@@ -1993,7 +1999,7 @@
           <a:ln/>
           <a:extLst>
             <a:ext uri="{91240B29-F687-4f45-9708-019B960494DF}">
-              <a14:hiddenLine xmlns:a14="http://schemas.microsoft.com/office/drawing/2010/main" xmlns="" w="9525">
+              <a14:hiddenLine xmlns="" xmlns:a14="http://schemas.microsoft.com/office/drawing/2010/main" w="9525">
                 <a:solidFill>
                   <a:srgbClr val="000000"/>
                 </a:solidFill>
@@ -2122,7 +2128,7 @@
             <a:fld id="{ED62726E-379B-B349-9EED-81ED093FA806}" type="datetimeFigureOut">
               <a:rPr lang="en-US" dirty="0"/>
               <a:pPr/>
-              <a:t>5/5/19</a:t>
+              <a:t>5/5/2019</a:t>
             </a:fld>
             <a:endParaRPr lang="en-US" dirty="0"/>
           </a:p>
@@ -2273,7 +2279,7 @@
           <a:ln/>
           <a:extLst>
             <a:ext uri="{91240B29-F687-4f45-9708-019B960494DF}">
-              <a14:hiddenLine xmlns:a14="http://schemas.microsoft.com/office/drawing/2010/main" xmlns="" w="9525">
+              <a14:hiddenLine xmlns="" xmlns:a14="http://schemas.microsoft.com/office/drawing/2010/main" w="9525">
                 <a:solidFill>
                   <a:srgbClr val="000000"/>
                 </a:solidFill>
@@ -2402,7 +2408,7 @@
             <a:fld id="{9B3A1323-8D79-1946-B0D7-40001CF92E9D}" type="datetimeFigureOut">
               <a:rPr lang="en-US" dirty="0"/>
               <a:pPr/>
-              <a:t>5/5/19</a:t>
+              <a:t>5/5/2019</a:t>
             </a:fld>
             <a:endParaRPr lang="en-US" dirty="0"/>
           </a:p>
@@ -2742,7 +2748,7 @@
             <a:fld id="{8DFA1846-DA80-1C48-A609-854EA85C59AD}" type="datetimeFigureOut">
               <a:rPr lang="en-US" dirty="0"/>
               <a:pPr/>
-              <a:t>5/5/19</a:t>
+              <a:t>5/5/2019</a:t>
             </a:fld>
             <a:endParaRPr lang="en-US" dirty="0"/>
           </a:p>
@@ -2893,7 +2899,7 @@
           <a:ln/>
           <a:extLst>
             <a:ext uri="{91240B29-F687-4f45-9708-019B960494DF}">
-              <a14:hiddenLine xmlns:a14="http://schemas.microsoft.com/office/drawing/2010/main" xmlns="" w="9525">
+              <a14:hiddenLine xmlns="" xmlns:a14="http://schemas.microsoft.com/office/drawing/2010/main" w="9525">
                 <a:solidFill>
                   <a:srgbClr val="000000"/>
                 </a:solidFill>
@@ -3078,7 +3084,7 @@
             <a:fld id="{57302355-E14B-8545-A8F8-0FE83CC9D524}" type="datetimeFigureOut">
               <a:rPr lang="en-US" dirty="0"/>
               <a:pPr/>
-              <a:t>5/5/19</a:t>
+              <a:t>5/5/2019</a:t>
             </a:fld>
             <a:endParaRPr lang="en-US" dirty="0"/>
           </a:p>
@@ -3229,7 +3235,7 @@
           <a:ln/>
           <a:extLst>
             <a:ext uri="{91240B29-F687-4f45-9708-019B960494DF}">
-              <a14:hiddenLine xmlns:a14="http://schemas.microsoft.com/office/drawing/2010/main" xmlns="" w="9525">
+              <a14:hiddenLine xmlns="" xmlns:a14="http://schemas.microsoft.com/office/drawing/2010/main" w="9525">
                 <a:solidFill>
                   <a:srgbClr val="000000"/>
                 </a:solidFill>
@@ -3552,7 +3558,7 @@
             <a:fld id="{02640F58-564D-2B4F-AE67-E407BA4FCF45}" type="datetimeFigureOut">
               <a:rPr lang="en-US" dirty="0"/>
               <a:pPr/>
-              <a:t>5/5/19</a:t>
+              <a:t>5/5/2019</a:t>
             </a:fld>
             <a:endParaRPr lang="en-US" dirty="0"/>
           </a:p>
@@ -3703,7 +3709,7 @@
           <a:ln/>
           <a:extLst>
             <a:ext uri="{91240B29-F687-4f45-9708-019B960494DF}">
-              <a14:hiddenLine xmlns:a14="http://schemas.microsoft.com/office/drawing/2010/main" xmlns="" w="9525">
+              <a14:hiddenLine xmlns="" xmlns:a14="http://schemas.microsoft.com/office/drawing/2010/main" w="9525">
                 <a:solidFill>
                   <a:srgbClr val="000000"/>
                 </a:solidFill>
@@ -3770,7 +3776,7 @@
             <a:fld id="{F13A34C8-038E-2045-AF43-DF7DBB8E0E9E}" type="datetimeFigureOut">
               <a:rPr lang="en-US" dirty="0"/>
               <a:pPr/>
-              <a:t>5/5/19</a:t>
+              <a:t>5/5/2019</a:t>
             </a:fld>
             <a:endParaRPr lang="en-US" dirty="0"/>
           </a:p>
@@ -3862,7 +3868,7 @@
             <a:fld id="{8818C68F-D26B-8F47-958C-23B49CF8A634}" type="datetimeFigureOut">
               <a:rPr lang="en-US" dirty="0"/>
               <a:pPr/>
-              <a:t>5/5/19</a:t>
+              <a:t>5/5/2019</a:t>
             </a:fld>
             <a:endParaRPr lang="en-US" dirty="0"/>
           </a:p>
@@ -4126,7 +4132,7 @@
           <a:ln/>
           <a:extLst>
             <a:ext uri="{91240B29-F687-4f45-9708-019B960494DF}">
-              <a14:hiddenLine xmlns:a14="http://schemas.microsoft.com/office/drawing/2010/main" xmlns="" w="9525">
+              <a14:hiddenLine xmlns="" xmlns:a14="http://schemas.microsoft.com/office/drawing/2010/main" w="9525">
                 <a:solidFill>
                   <a:srgbClr val="000000"/>
                 </a:solidFill>
@@ -4326,7 +4332,7 @@
             <a:fld id="{D0DF5E60-9974-AC48-9591-99C2BB44B7CF}" type="datetimeFigureOut">
               <a:rPr lang="en-US" dirty="0"/>
               <a:pPr/>
-              <a:t>5/5/19</a:t>
+              <a:t>5/5/2019</a:t>
             </a:fld>
             <a:endParaRPr lang="en-US" dirty="0"/>
           </a:p>
@@ -4636,7 +4642,7 @@
             <a:fld id="{18C79C5D-2A6F-F04D-97DA-BEF2467B64E4}" type="datetimeFigureOut">
               <a:rPr lang="en-US" dirty="0"/>
               <a:pPr/>
-              <a:t>5/5/19</a:t>
+              <a:t>5/5/2019</a:t>
             </a:fld>
             <a:endParaRPr lang="en-US" dirty="0"/>
           </a:p>
@@ -4903,7 +4909,7 @@
             <a:fld id="{09B482E8-6E0E-1B4F-B1FD-C69DB9E858D9}" type="datetimeFigureOut">
               <a:rPr lang="en-US" dirty="0"/>
               <a:pPr/>
-              <a:t>5/5/19</a:t>
+              <a:t>5/5/2019</a:t>
             </a:fld>
             <a:endParaRPr lang="en-US" dirty="0"/>
           </a:p>
@@ -5449,6 +5455,99 @@
           <p:cNvPr id="2" name="Titre 1">
             <a:extLst>
               <a:ext uri="{FF2B5EF4-FFF2-40B4-BE49-F238E27FC236}">
+                <a16:creationId xmlns:a16="http://schemas.microsoft.com/office/drawing/2014/main" id="{7F2678B0-C8B2-CD4F-9A99-1E27ADF6B10C}"/>
+              </a:ext>
+            </a:extLst>
+          </p:cNvPr>
+          <p:cNvSpPr>
+            <a:spLocks noGrp="1"/>
+          </p:cNvSpPr>
+          <p:nvPr>
+            <p:ph type="title"/>
+          </p:nvPr>
+        </p:nvSpPr>
+        <p:spPr/>
+        <p:txBody>
+          <a:bodyPr/>
+          <a:lstStyle/>
+          <a:p>
+            <a:r>
+              <a:rPr lang="fr-FR" dirty="0"/>
+              <a:t>Bilan collectif</a:t>
+            </a:r>
+          </a:p>
+        </p:txBody>
+      </p:sp>
+      <p:sp>
+        <p:nvSpPr>
+          <p:cNvPr id="3" name="ZoneTexte 2">
+            <a:extLst>
+              <a:ext uri="{FF2B5EF4-FFF2-40B4-BE49-F238E27FC236}">
+                <a16:creationId xmlns:a16="http://schemas.microsoft.com/office/drawing/2014/main" id="{A24A4E3F-5E10-4545-BD5C-106BC4473489}"/>
+              </a:ext>
+            </a:extLst>
+          </p:cNvPr>
+          <p:cNvSpPr txBox="1"/>
+          <p:nvPr/>
+        </p:nvSpPr>
+        <p:spPr>
+          <a:xfrm>
+            <a:off x="810000" y="2476500"/>
+            <a:ext cx="10258050" cy="369332"/>
+          </a:xfrm>
+          <a:prstGeom prst="rect">
+            <a:avLst/>
+          </a:prstGeom>
+          <a:noFill/>
+        </p:spPr>
+        <p:txBody>
+          <a:bodyPr wrap="square" rtlCol="0">
+            <a:spAutoFit/>
+          </a:bodyPr>
+          <a:lstStyle/>
+          <a:p>
+            <a:r>
+              <a:rPr lang="fr-FR" dirty="0"/>
+              <a:t>Ce projet de Web Dynamique nous a beaucoup</a:t>
+            </a:r>
+          </a:p>
+        </p:txBody>
+      </p:sp>
+    </p:spTree>
+    <p:extLst>
+      <p:ext uri="{BB962C8B-B14F-4D97-AF65-F5344CB8AC3E}">
+        <p14:creationId xmlns:p14="http://schemas.microsoft.com/office/powerpoint/2010/main" val="638192655"/>
+      </p:ext>
+    </p:extLst>
+  </p:cSld>
+  <p:clrMapOvr>
+    <a:masterClrMapping/>
+  </p:clrMapOvr>
+</p:sld>
+</file>
+
+<file path=ppt/slides/slide11.xml><?xml version="1.0" encoding="utf-8"?>
+<p:sld xmlns:a="http://schemas.openxmlformats.org/drawingml/2006/main" xmlns:r="http://schemas.openxmlformats.org/officeDocument/2006/relationships" xmlns:p="http://schemas.openxmlformats.org/presentationml/2006/main">
+  <p:cSld>
+    <p:spTree>
+      <p:nvGrpSpPr>
+        <p:cNvPr id="1" name=""/>
+        <p:cNvGrpSpPr/>
+        <p:nvPr/>
+      </p:nvGrpSpPr>
+      <p:grpSpPr>
+        <a:xfrm>
+          <a:off x="0" y="0"/>
+          <a:ext cx="0" cy="0"/>
+          <a:chOff x="0" y="0"/>
+          <a:chExt cx="0" cy="0"/>
+        </a:xfrm>
+      </p:grpSpPr>
+      <p:sp>
+        <p:nvSpPr>
+          <p:cNvPr id="2" name="Titre 1">
+            <a:extLst>
+              <a:ext uri="{FF2B5EF4-FFF2-40B4-BE49-F238E27FC236}">
                 <a16:creationId xmlns:a16="http://schemas.microsoft.com/office/drawing/2014/main" id="{D63F5095-6A89-1644-9FA2-35792097B67B}"/>
               </a:ext>
             </a:extLst>
@@ -5469,6 +5568,81 @@
               <a:rPr lang="fr-FR" dirty="0"/>
               <a:t>Bibliographie</a:t>
             </a:r>
+          </a:p>
+        </p:txBody>
+      </p:sp>
+      <p:sp>
+        <p:nvSpPr>
+          <p:cNvPr id="3" name="ZoneTexte 2">
+            <a:extLst>
+              <a:ext uri="{FF2B5EF4-FFF2-40B4-BE49-F238E27FC236}">
+                <a16:creationId xmlns:a16="http://schemas.microsoft.com/office/drawing/2014/main" id="{FE6C3BD1-1100-4C99-B291-5FDABD68A4F1}"/>
+              </a:ext>
+            </a:extLst>
+          </p:cNvPr>
+          <p:cNvSpPr txBox="1"/>
+          <p:nvPr/>
+        </p:nvSpPr>
+        <p:spPr>
+          <a:xfrm>
+            <a:off x="810000" y="2543175"/>
+            <a:ext cx="8915025" cy="1200329"/>
+          </a:xfrm>
+          <a:prstGeom prst="rect">
+            <a:avLst/>
+          </a:prstGeom>
+          <a:noFill/>
+        </p:spPr>
+        <p:txBody>
+          <a:bodyPr wrap="square" rtlCol="0">
+            <a:spAutoFit/>
+          </a:bodyPr>
+          <a:lstStyle/>
+          <a:p>
+            <a:pPr marL="285750" indent="-285750">
+              <a:buFontTx/>
+              <a:buChar char="-"/>
+            </a:pPr>
+            <a:r>
+              <a:rPr lang="fr-FR" dirty="0">
+                <a:hlinkClick r:id="rId2"/>
+              </a:rPr>
+              <a:t>https://getbootstrap.com/</a:t>
+            </a:r>
+            <a:endParaRPr lang="fr-FR" dirty="0"/>
+          </a:p>
+          <a:p>
+            <a:pPr marL="285750" indent="-285750">
+              <a:buFontTx/>
+              <a:buChar char="-"/>
+            </a:pPr>
+            <a:r>
+              <a:rPr lang="fr-FR" dirty="0">
+                <a:hlinkClick r:id="rId3"/>
+              </a:rPr>
+              <a:t>https://www.youtube.com/watch?v=0wYSviHeRbs&amp;t=816s</a:t>
+            </a:r>
+            <a:endParaRPr lang="fr-FR" dirty="0"/>
+          </a:p>
+          <a:p>
+            <a:pPr marL="285750" indent="-285750">
+              <a:buFontTx/>
+              <a:buChar char="-"/>
+            </a:pPr>
+            <a:r>
+              <a:rPr lang="fr-FR" dirty="0">
+                <a:hlinkClick r:id="rId4"/>
+              </a:rPr>
+              <a:t>https://www.youtube.com/watch?v=LC9GaXkdxF8</a:t>
+            </a:r>
+            <a:endParaRPr lang="fr-FR" dirty="0"/>
+          </a:p>
+          <a:p>
+            <a:pPr marL="285750" indent="-285750">
+              <a:buFontTx/>
+              <a:buChar char="-"/>
+            </a:pPr>
+            <a:endParaRPr lang="fr-FR" dirty="0"/>
           </a:p>
         </p:txBody>
       </p:sp>
@@ -5728,7 +5902,7 @@
           <a:effectLst/>
           <a:extLst>
             <a:ext uri="{91240B29-F687-4f45-9708-019B960494DF}">
-              <a14:hiddenLine xmlns="" xmlns:a16="http://schemas.microsoft.com/office/drawing/2014/main" xmlns:p14="http://schemas.microsoft.com/office/powerpoint/2010/main" xmlns:a14="http://schemas.microsoft.com/office/drawing/2010/main" w="9525">
+              <a14:hiddenLine xmlns:a14="http://schemas.microsoft.com/office/drawing/2010/main" xmlns:p14="http://schemas.microsoft.com/office/powerpoint/2010/main" xmlns:a16="http://schemas.microsoft.com/office/drawing/2014/main" xmlns="" w="9525">
                 <a:solidFill>
                   <a:srgbClr val="000000"/>
                 </a:solidFill>
@@ -6061,10 +6235,10 @@
       </p:sp>
       <p:pic>
         <p:nvPicPr>
-          <p:cNvPr id="5" name="Espace réservé du contenu 4" descr="Une image contenant texte, capture d’écran&#10;&#10;Description générée automatiquement">
+          <p:cNvPr id="6" name="Espace réservé du contenu 5" descr="Une image contenant texte&#10;&#10;Description générée automatiquement">
             <a:extLst>
               <a:ext uri="{FF2B5EF4-FFF2-40B4-BE49-F238E27FC236}">
-                <a16:creationId xmlns:a16="http://schemas.microsoft.com/office/drawing/2014/main" id="{0C59BE94-4542-EB42-A63A-8C9C1D3925B4}"/>
+                <a16:creationId xmlns:a16="http://schemas.microsoft.com/office/drawing/2014/main" id="{98B7E0F2-454F-4721-AC59-C601D48AD72A}"/>
               </a:ext>
             </a:extLst>
           </p:cNvPr>
@@ -6083,20 +6257,9 @@
         </p:blipFill>
         <p:spPr>
           <a:xfrm>
-            <a:off x="6322818" y="547156"/>
-            <a:ext cx="4183369" cy="5397897"/>
+            <a:off x="5972439" y="287122"/>
+            <a:ext cx="4868281" cy="6283756"/>
           </a:xfrm>
-          <a:prstGeom prst="roundRect">
-            <a:avLst>
-              <a:gd name="adj" fmla="val 3876"/>
-            </a:avLst>
-          </a:prstGeom>
-          <a:ln>
-            <a:solidFill>
-              <a:schemeClr val="accent1"/>
-            </a:solidFill>
-          </a:ln>
-          <a:effectLst/>
         </p:spPr>
       </p:pic>
     </p:spTree>
@@ -6134,6 +6297,409 @@
           <p:cNvPr id="2" name="Titre 1">
             <a:extLst>
               <a:ext uri="{FF2B5EF4-FFF2-40B4-BE49-F238E27FC236}">
+                <a16:creationId xmlns:a16="http://schemas.microsoft.com/office/drawing/2014/main" id="{0444566F-CDEA-48AC-81B3-2698D92C3E22}"/>
+              </a:ext>
+            </a:extLst>
+          </p:cNvPr>
+          <p:cNvSpPr>
+            <a:spLocks noGrp="1"/>
+          </p:cNvSpPr>
+          <p:nvPr>
+            <p:ph type="title"/>
+          </p:nvPr>
+        </p:nvSpPr>
+        <p:spPr/>
+        <p:txBody>
+          <a:bodyPr/>
+          <a:lstStyle/>
+          <a:p>
+            <a:r>
+              <a:rPr lang="fr-FR" dirty="0"/>
+              <a:t>Modèle relationnel</a:t>
+            </a:r>
+          </a:p>
+        </p:txBody>
+      </p:sp>
+      <p:sp>
+        <p:nvSpPr>
+          <p:cNvPr id="3" name="Espace réservé du contenu 2">
+            <a:extLst>
+              <a:ext uri="{FF2B5EF4-FFF2-40B4-BE49-F238E27FC236}">
+                <a16:creationId xmlns:a16="http://schemas.microsoft.com/office/drawing/2014/main" id="{B3FEAE2F-1A7F-41B5-9305-3B0643581E94}"/>
+              </a:ext>
+            </a:extLst>
+          </p:cNvPr>
+          <p:cNvSpPr>
+            <a:spLocks noGrp="1"/>
+          </p:cNvSpPr>
+          <p:nvPr>
+            <p:ph idx="1"/>
+          </p:nvPr>
+        </p:nvSpPr>
+        <p:spPr/>
+        <p:txBody>
+          <a:bodyPr>
+            <a:normAutofit fontScale="85000" lnSpcReduction="10000"/>
+          </a:bodyPr>
+          <a:lstStyle/>
+          <a:p>
+            <a:r>
+              <a:rPr lang="fr-FR" dirty="0"/>
+              <a:t>Modèle relationnel </a:t>
+            </a:r>
+          </a:p>
+          <a:p>
+            <a:r>
+              <a:rPr lang="fr-FR" dirty="0"/>
+              <a:t> </a:t>
+            </a:r>
+          </a:p>
+          <a:p>
+            <a:r>
+              <a:rPr lang="fr-FR" dirty="0"/>
+              <a:t>Items (</a:t>
+            </a:r>
+            <a:r>
+              <a:rPr lang="fr-FR" u="sng" dirty="0" err="1"/>
+              <a:t>Id_item</a:t>
+            </a:r>
+            <a:r>
+              <a:rPr lang="fr-FR" dirty="0"/>
+              <a:t>, </a:t>
+            </a:r>
+            <a:r>
+              <a:rPr lang="fr-FR" dirty="0" err="1"/>
+              <a:t>nom_item</a:t>
+            </a:r>
+            <a:r>
+              <a:rPr lang="fr-FR" dirty="0"/>
+              <a:t>, image, </a:t>
+            </a:r>
+            <a:r>
+              <a:rPr lang="fr-FR" dirty="0" err="1"/>
+              <a:t>categorie</a:t>
+            </a:r>
+            <a:r>
+              <a:rPr lang="fr-FR" dirty="0"/>
+              <a:t>, description, </a:t>
+            </a:r>
+            <a:r>
+              <a:rPr lang="fr-FR" dirty="0" err="1"/>
+              <a:t>nb_ventes</a:t>
+            </a:r>
+            <a:r>
+              <a:rPr lang="fr-FR" dirty="0"/>
+              <a:t>, </a:t>
+            </a:r>
+            <a:r>
+              <a:rPr lang="fr-FR" dirty="0" err="1"/>
+              <a:t>modele</a:t>
+            </a:r>
+            <a:r>
+              <a:rPr lang="fr-FR" dirty="0"/>
+              <a:t>, prix, </a:t>
+            </a:r>
+            <a:r>
+              <a:rPr lang="fr-FR" i="1" dirty="0" err="1"/>
+              <a:t>username_vendeur</a:t>
+            </a:r>
+            <a:r>
+              <a:rPr lang="fr-FR" dirty="0"/>
+              <a:t>)</a:t>
+            </a:r>
+          </a:p>
+          <a:p>
+            <a:r>
+              <a:rPr lang="fr-FR" dirty="0"/>
+              <a:t>Vendeurs (</a:t>
+            </a:r>
+            <a:r>
+              <a:rPr lang="fr-FR" u="sng" dirty="0" err="1"/>
+              <a:t>username_vendeur</a:t>
+            </a:r>
+            <a:r>
+              <a:rPr lang="fr-FR" dirty="0"/>
+              <a:t>, </a:t>
+            </a:r>
+            <a:r>
+              <a:rPr lang="fr-FR" dirty="0" err="1"/>
+              <a:t>password</a:t>
+            </a:r>
+            <a:r>
+              <a:rPr lang="fr-FR" dirty="0"/>
+              <a:t>, </a:t>
+            </a:r>
+            <a:r>
+              <a:rPr lang="fr-FR" dirty="0" err="1"/>
+              <a:t>photo_profil</a:t>
+            </a:r>
+            <a:r>
+              <a:rPr lang="fr-FR" dirty="0"/>
+              <a:t>, </a:t>
+            </a:r>
+            <a:r>
+              <a:rPr lang="fr-FR" dirty="0" err="1"/>
+              <a:t>photo_fond</a:t>
+            </a:r>
+            <a:r>
+              <a:rPr lang="fr-FR" dirty="0"/>
+              <a:t>, description, email, </a:t>
+            </a:r>
+            <a:r>
+              <a:rPr lang="fr-FR" dirty="0" err="1"/>
+              <a:t>prenom</a:t>
+            </a:r>
+            <a:r>
+              <a:rPr lang="fr-FR" dirty="0"/>
+              <a:t>, nom, </a:t>
+            </a:r>
+            <a:r>
+              <a:rPr lang="fr-FR" i="1" u="sng" dirty="0" err="1"/>
+              <a:t>username_admin</a:t>
+            </a:r>
+            <a:r>
+              <a:rPr lang="fr-FR" dirty="0"/>
+              <a:t>)</a:t>
+            </a:r>
+          </a:p>
+          <a:p>
+            <a:r>
+              <a:rPr lang="fr-FR" dirty="0"/>
+              <a:t>Admin (</a:t>
+            </a:r>
+            <a:r>
+              <a:rPr lang="fr-FR" u="sng" dirty="0" err="1"/>
+              <a:t>username_admin</a:t>
+            </a:r>
+            <a:r>
+              <a:rPr lang="fr-FR" dirty="0"/>
+              <a:t>, </a:t>
+            </a:r>
+            <a:r>
+              <a:rPr lang="fr-FR" dirty="0" err="1"/>
+              <a:t>password</a:t>
+            </a:r>
+            <a:r>
+              <a:rPr lang="fr-FR" dirty="0"/>
+              <a:t>, nom, </a:t>
+            </a:r>
+            <a:r>
+              <a:rPr lang="fr-FR" dirty="0" err="1"/>
+              <a:t>prenom</a:t>
+            </a:r>
+            <a:r>
+              <a:rPr lang="fr-FR" dirty="0"/>
+              <a:t>)</a:t>
+            </a:r>
+          </a:p>
+          <a:p>
+            <a:r>
+              <a:rPr lang="fr-FR" dirty="0"/>
+              <a:t>Achats </a:t>
+            </a:r>
+            <a:r>
+              <a:rPr lang="fr-FR" u="sng" dirty="0"/>
+              <a:t>(</a:t>
+            </a:r>
+            <a:r>
+              <a:rPr lang="fr-FR" u="sng" dirty="0" err="1"/>
+              <a:t>Id_achat</a:t>
+            </a:r>
+            <a:r>
+              <a:rPr lang="fr-FR" dirty="0"/>
+              <a:t>, </a:t>
+            </a:r>
+            <a:r>
+              <a:rPr lang="fr-FR" dirty="0" err="1"/>
+              <a:t>nom_item</a:t>
+            </a:r>
+            <a:r>
+              <a:rPr lang="fr-FR" dirty="0"/>
+              <a:t>, </a:t>
+            </a:r>
+            <a:r>
+              <a:rPr lang="fr-FR" dirty="0" err="1"/>
+              <a:t>quantite</a:t>
+            </a:r>
+            <a:r>
+              <a:rPr lang="fr-FR" dirty="0"/>
+              <a:t>, prix, </a:t>
+            </a:r>
+            <a:r>
+              <a:rPr lang="fr-FR" dirty="0" err="1"/>
+              <a:t>categorie</a:t>
+            </a:r>
+            <a:r>
+              <a:rPr lang="fr-FR" dirty="0"/>
+              <a:t>, </a:t>
+            </a:r>
+            <a:r>
+              <a:rPr lang="fr-FR" i="1" dirty="0" err="1"/>
+              <a:t>id_panier</a:t>
+            </a:r>
+            <a:r>
+              <a:rPr lang="fr-FR" dirty="0"/>
+              <a:t>)</a:t>
+            </a:r>
+          </a:p>
+          <a:p>
+            <a:r>
+              <a:rPr lang="fr-FR" dirty="0"/>
+              <a:t>Panier </a:t>
+            </a:r>
+            <a:r>
+              <a:rPr lang="fr-FR" u="sng" dirty="0"/>
+              <a:t>(</a:t>
+            </a:r>
+            <a:r>
+              <a:rPr lang="fr-FR" u="sng" dirty="0" err="1"/>
+              <a:t>id_panier</a:t>
+            </a:r>
+            <a:r>
+              <a:rPr lang="fr-FR" dirty="0"/>
+              <a:t>, </a:t>
+            </a:r>
+            <a:r>
+              <a:rPr lang="fr-FR" dirty="0" err="1"/>
+              <a:t>prix_total</a:t>
+            </a:r>
+            <a:r>
+              <a:rPr lang="fr-FR" dirty="0"/>
+              <a:t>, </a:t>
+            </a:r>
+            <a:r>
+              <a:rPr lang="fr-FR" dirty="0" err="1"/>
+              <a:t>quantite_totale</a:t>
+            </a:r>
+            <a:r>
+              <a:rPr lang="fr-FR" dirty="0"/>
+              <a:t>, </a:t>
+            </a:r>
+            <a:r>
+              <a:rPr lang="fr-FR" i="1" dirty="0" err="1"/>
+              <a:t>username_client</a:t>
+            </a:r>
+            <a:r>
+              <a:rPr lang="fr-FR" dirty="0"/>
+              <a:t>)</a:t>
+            </a:r>
+          </a:p>
+          <a:p>
+            <a:r>
+              <a:rPr lang="fr-FR" dirty="0"/>
+              <a:t>Client (</a:t>
+            </a:r>
+            <a:r>
+              <a:rPr lang="fr-FR" u="sng" dirty="0" err="1"/>
+              <a:t>username_client</a:t>
+            </a:r>
+            <a:r>
+              <a:rPr lang="fr-FR" dirty="0"/>
+              <a:t>, </a:t>
+            </a:r>
+            <a:r>
+              <a:rPr lang="fr-FR" dirty="0" err="1"/>
+              <a:t>password</a:t>
+            </a:r>
+            <a:r>
+              <a:rPr lang="fr-FR" dirty="0"/>
+              <a:t>, pays, adresse1, adresse2, </a:t>
+            </a:r>
+            <a:r>
+              <a:rPr lang="fr-FR" dirty="0" err="1"/>
+              <a:t>code_postal</a:t>
+            </a:r>
+            <a:r>
+              <a:rPr lang="fr-FR" dirty="0"/>
+              <a:t>, ville, </a:t>
+            </a:r>
+            <a:r>
+              <a:rPr lang="fr-FR" dirty="0" err="1"/>
+              <a:t>telephone</a:t>
+            </a:r>
+            <a:r>
+              <a:rPr lang="fr-FR" dirty="0"/>
+              <a:t>, </a:t>
+            </a:r>
+            <a:r>
+              <a:rPr lang="fr-FR" dirty="0" err="1"/>
+              <a:t>date_naissance</a:t>
+            </a:r>
+            <a:r>
+              <a:rPr lang="fr-FR" dirty="0"/>
+              <a:t>, email, nom, </a:t>
+            </a:r>
+            <a:r>
+              <a:rPr lang="fr-FR" dirty="0" err="1"/>
+              <a:t>prenom</a:t>
+            </a:r>
+            <a:r>
+              <a:rPr lang="fr-FR" dirty="0"/>
+              <a:t>)</a:t>
+            </a:r>
+          </a:p>
+          <a:p>
+            <a:r>
+              <a:rPr lang="fr-FR" dirty="0"/>
+              <a:t>Carte bancaire (</a:t>
+            </a:r>
+            <a:r>
+              <a:rPr lang="fr-FR" u="sng" dirty="0" err="1"/>
+              <a:t>numero</a:t>
+            </a:r>
+            <a:r>
+              <a:rPr lang="fr-FR" dirty="0"/>
+              <a:t>, type, expiration, code, </a:t>
+            </a:r>
+            <a:r>
+              <a:rPr lang="fr-FR" i="1" dirty="0" err="1"/>
+              <a:t>username_client</a:t>
+            </a:r>
+            <a:r>
+              <a:rPr lang="fr-FR" dirty="0"/>
+              <a:t>)</a:t>
+            </a:r>
+          </a:p>
+          <a:p>
+            <a:endParaRPr lang="fr-FR" dirty="0"/>
+          </a:p>
+        </p:txBody>
+      </p:sp>
+    </p:spTree>
+    <p:extLst>
+      <p:ext uri="{BB962C8B-B14F-4D97-AF65-F5344CB8AC3E}">
+        <p14:creationId xmlns:p14="http://schemas.microsoft.com/office/powerpoint/2010/main" val="2939317051"/>
+      </p:ext>
+    </p:extLst>
+  </p:cSld>
+  <p:clrMapOvr>
+    <a:masterClrMapping/>
+  </p:clrMapOvr>
+</p:sld>
+</file>
+
+<file path=ppt/slides/slide5.xml><?xml version="1.0" encoding="utf-8"?>
+<p:sld xmlns:a="http://schemas.openxmlformats.org/drawingml/2006/main" xmlns:r="http://schemas.openxmlformats.org/officeDocument/2006/relationships" xmlns:p="http://schemas.openxmlformats.org/presentationml/2006/main">
+  <p:cSld>
+    <p:spTree>
+      <p:nvGrpSpPr>
+        <p:cNvPr id="1" name=""/>
+        <p:cNvGrpSpPr/>
+        <p:nvPr/>
+      </p:nvGrpSpPr>
+      <p:grpSpPr>
+        <a:xfrm>
+          <a:off x="0" y="0"/>
+          <a:ext cx="0" cy="0"/>
+          <a:chOff x="0" y="0"/>
+          <a:chExt cx="0" cy="0"/>
+        </a:xfrm>
+      </p:grpSpPr>
+      <p:sp>
+        <p:nvSpPr>
+          <p:cNvPr id="2" name="Titre 1">
+            <a:extLst>
+              <a:ext uri="{FF2B5EF4-FFF2-40B4-BE49-F238E27FC236}">
                 <a16:creationId xmlns:a16="http://schemas.microsoft.com/office/drawing/2014/main" id="{593E09E8-DFAC-284D-8A3F-712E1AB8BC7F}"/>
               </a:ext>
             </a:extLst>
@@ -6170,7 +6736,7 @@
 </p:sld>
 </file>
 
-<file path=ppt/slides/slide5.xml><?xml version="1.0" encoding="utf-8"?>
+<file path=ppt/slides/slide6.xml><?xml version="1.0" encoding="utf-8"?>
 <p:sld xmlns:a="http://schemas.openxmlformats.org/drawingml/2006/main" xmlns:r="http://schemas.openxmlformats.org/officeDocument/2006/relationships" xmlns:p="http://schemas.openxmlformats.org/presentationml/2006/main">
   <p:cSld>
     <p:spTree>
@@ -6266,7 +6832,7 @@
 </p:sld>
 </file>
 
-<file path=ppt/slides/slide6.xml><?xml version="1.0" encoding="utf-8"?>
+<file path=ppt/slides/slide7.xml><?xml version="1.0" encoding="utf-8"?>
 <p:sld xmlns:a="http://schemas.openxmlformats.org/drawingml/2006/main" xmlns:r="http://schemas.openxmlformats.org/officeDocument/2006/relationships" xmlns:p="http://schemas.openxmlformats.org/presentationml/2006/main">
   <p:cSld>
     <p:spTree>
@@ -6669,68 +7235,6 @@
 </p:sld>
 </file>
 
-<file path=ppt/slides/slide7.xml><?xml version="1.0" encoding="utf-8"?>
-<p:sld xmlns:a="http://schemas.openxmlformats.org/drawingml/2006/main" xmlns:r="http://schemas.openxmlformats.org/officeDocument/2006/relationships" xmlns:p="http://schemas.openxmlformats.org/presentationml/2006/main">
-  <p:cSld>
-    <p:spTree>
-      <p:nvGrpSpPr>
-        <p:cNvPr id="1" name=""/>
-        <p:cNvGrpSpPr/>
-        <p:nvPr/>
-      </p:nvGrpSpPr>
-      <p:grpSpPr>
-        <a:xfrm>
-          <a:off x="0" y="0"/>
-          <a:ext cx="0" cy="0"/>
-          <a:chOff x="0" y="0"/>
-          <a:chExt cx="0" cy="0"/>
-        </a:xfrm>
-      </p:grpSpPr>
-      <p:sp>
-        <p:nvSpPr>
-          <p:cNvPr id="2" name="Titre 1">
-            <a:extLst>
-              <a:ext uri="{FF2B5EF4-FFF2-40B4-BE49-F238E27FC236}">
-                <a16:creationId xmlns:a16="http://schemas.microsoft.com/office/drawing/2014/main" id="{92242870-D8C6-0B47-A892-55051DF008E6}"/>
-              </a:ext>
-            </a:extLst>
-          </p:cNvPr>
-          <p:cNvSpPr>
-            <a:spLocks noGrp="1"/>
-          </p:cNvSpPr>
-          <p:nvPr>
-            <p:ph type="title"/>
-          </p:nvPr>
-        </p:nvSpPr>
-        <p:spPr/>
-        <p:txBody>
-          <a:bodyPr/>
-          <a:lstStyle/>
-          <a:p>
-            <a:r>
-              <a:rPr lang="fr-FR" dirty="0" err="1"/>
-              <a:t>Versionning</a:t>
-            </a:r>
-            <a:r>
-              <a:rPr lang="fr-FR" dirty="0"/>
-              <a:t> GIT</a:t>
-            </a:r>
-          </a:p>
-        </p:txBody>
-      </p:sp>
-    </p:spTree>
-    <p:extLst>
-      <p:ext uri="{BB962C8B-B14F-4D97-AF65-F5344CB8AC3E}">
-        <p14:creationId xmlns:p14="http://schemas.microsoft.com/office/powerpoint/2010/main" val="3186025683"/>
-      </p:ext>
-    </p:extLst>
-  </p:cSld>
-  <p:clrMapOvr>
-    <a:masterClrMapping/>
-  </p:clrMapOvr>
-</p:sld>
-</file>
-
 <file path=ppt/slides/slide8.xml><?xml version="1.0" encoding="utf-8"?>
 <p:sld xmlns:a="http://schemas.openxmlformats.org/drawingml/2006/main" xmlns:r="http://schemas.openxmlformats.org/officeDocument/2006/relationships" xmlns:p="http://schemas.openxmlformats.org/presentationml/2006/main">
   <p:cSld>
@@ -6753,7 +7257,7 @@
           <p:cNvPr id="2" name="Titre 1">
             <a:extLst>
               <a:ext uri="{FF2B5EF4-FFF2-40B4-BE49-F238E27FC236}">
-                <a16:creationId xmlns:a16="http://schemas.microsoft.com/office/drawing/2014/main" id="{3E2DDA83-4230-5F43-901E-F9467FFF0543}"/>
+                <a16:creationId xmlns:a16="http://schemas.microsoft.com/office/drawing/2014/main" id="{92242870-D8C6-0B47-A892-55051DF008E6}"/>
               </a:ext>
             </a:extLst>
           </p:cNvPr>
@@ -6770,130 +7274,20 @@
           <a:lstStyle/>
           <a:p>
             <a:r>
+              <a:rPr lang="fr-FR" dirty="0" err="1"/>
+              <a:t>Versionning</a:t>
+            </a:r>
+            <a:r>
               <a:rPr lang="fr-FR" dirty="0"/>
-              <a:t>Bilan personnels</a:t>
-            </a:r>
-          </a:p>
-        </p:txBody>
-      </p:sp>
-      <p:sp>
-        <p:nvSpPr>
-          <p:cNvPr id="3" name="ZoneTexte 2">
-            <a:extLst>
-              <a:ext uri="{FF2B5EF4-FFF2-40B4-BE49-F238E27FC236}">
-                <a16:creationId xmlns:a16="http://schemas.microsoft.com/office/drawing/2014/main" id="{C06C3E41-2139-EF4A-9AE8-91AABA444D14}"/>
-              </a:ext>
-            </a:extLst>
-          </p:cNvPr>
-          <p:cNvSpPr txBox="1"/>
-          <p:nvPr/>
-        </p:nvSpPr>
-        <p:spPr>
-          <a:xfrm>
-            <a:off x="778933" y="2489200"/>
-            <a:ext cx="2963334" cy="646331"/>
-          </a:xfrm>
-          <a:prstGeom prst="rect">
-            <a:avLst/>
-          </a:prstGeom>
-          <a:noFill/>
-        </p:spPr>
-        <p:txBody>
-          <a:bodyPr wrap="square" rtlCol="0">
-            <a:spAutoFit/>
-          </a:bodyPr>
-          <a:lstStyle/>
-          <a:p>
-            <a:r>
-              <a:rPr lang="fr-FR" dirty="0"/>
-              <a:t>Kévin</a:t>
-            </a:r>
-          </a:p>
-          <a:p>
-            <a:endParaRPr lang="fr-FR" dirty="0"/>
-          </a:p>
-        </p:txBody>
-      </p:sp>
-      <p:sp>
-        <p:nvSpPr>
-          <p:cNvPr id="4" name="ZoneTexte 3">
-            <a:extLst>
-              <a:ext uri="{FF2B5EF4-FFF2-40B4-BE49-F238E27FC236}">
-                <a16:creationId xmlns:a16="http://schemas.microsoft.com/office/drawing/2014/main" id="{B5A0A083-47D2-B243-9C15-49979F406496}"/>
-              </a:ext>
-            </a:extLst>
-          </p:cNvPr>
-          <p:cNvSpPr txBox="1"/>
-          <p:nvPr/>
-        </p:nvSpPr>
-        <p:spPr>
-          <a:xfrm>
-            <a:off x="4614332" y="2489200"/>
-            <a:ext cx="2963334" cy="646331"/>
-          </a:xfrm>
-          <a:prstGeom prst="rect">
-            <a:avLst/>
-          </a:prstGeom>
-          <a:noFill/>
-        </p:spPr>
-        <p:txBody>
-          <a:bodyPr wrap="square" rtlCol="0">
-            <a:spAutoFit/>
-          </a:bodyPr>
-          <a:lstStyle/>
-          <a:p>
-            <a:r>
-              <a:rPr lang="fr-FR" dirty="0"/>
-              <a:t>Alexis</a:t>
-            </a:r>
-          </a:p>
-          <a:p>
-            <a:endParaRPr lang="fr-FR" dirty="0"/>
-          </a:p>
-        </p:txBody>
-      </p:sp>
-      <p:sp>
-        <p:nvSpPr>
-          <p:cNvPr id="5" name="ZoneTexte 4">
-            <a:extLst>
-              <a:ext uri="{FF2B5EF4-FFF2-40B4-BE49-F238E27FC236}">
-                <a16:creationId xmlns:a16="http://schemas.microsoft.com/office/drawing/2014/main" id="{B0B9D132-190A-2E40-B584-A201B84CB1C5}"/>
-              </a:ext>
-            </a:extLst>
-          </p:cNvPr>
-          <p:cNvSpPr txBox="1"/>
-          <p:nvPr/>
-        </p:nvSpPr>
-        <p:spPr>
-          <a:xfrm>
-            <a:off x="8405964" y="2456765"/>
-            <a:ext cx="2963334" cy="646331"/>
-          </a:xfrm>
-          <a:prstGeom prst="rect">
-            <a:avLst/>
-          </a:prstGeom>
-          <a:noFill/>
-        </p:spPr>
-        <p:txBody>
-          <a:bodyPr wrap="square" rtlCol="0">
-            <a:spAutoFit/>
-          </a:bodyPr>
-          <a:lstStyle/>
-          <a:p>
-            <a:r>
-              <a:rPr lang="fr-FR" dirty="0"/>
-              <a:t>Océane</a:t>
-            </a:r>
-          </a:p>
-          <a:p>
-            <a:endParaRPr lang="fr-FR" dirty="0"/>
+              <a:t> GIT</a:t>
+            </a:r>
           </a:p>
         </p:txBody>
       </p:sp>
     </p:spTree>
     <p:extLst>
       <p:ext uri="{BB962C8B-B14F-4D97-AF65-F5344CB8AC3E}">
-        <p14:creationId xmlns:p14="http://schemas.microsoft.com/office/powerpoint/2010/main" val="3674186932"/>
+        <p14:creationId xmlns:p14="http://schemas.microsoft.com/office/powerpoint/2010/main" val="3186025683"/>
       </p:ext>
     </p:extLst>
   </p:cSld>
@@ -6925,7 +7319,7 @@
           <p:cNvPr id="2" name="Titre 1">
             <a:extLst>
               <a:ext uri="{FF2B5EF4-FFF2-40B4-BE49-F238E27FC236}">
-                <a16:creationId xmlns:a16="http://schemas.microsoft.com/office/drawing/2014/main" id="{7F2678B0-C8B2-CD4F-9A99-1E27ADF6B10C}"/>
+                <a16:creationId xmlns:a16="http://schemas.microsoft.com/office/drawing/2014/main" id="{3E2DDA83-4230-5F43-901E-F9467FFF0543}"/>
               </a:ext>
             </a:extLst>
           </p:cNvPr>
@@ -6943,7 +7337,156 @@
           <a:p>
             <a:r>
               <a:rPr lang="fr-FR" dirty="0"/>
-              <a:t>Bilan collectif</a:t>
+              <a:t>Bilan personnels</a:t>
+            </a:r>
+          </a:p>
+        </p:txBody>
+      </p:sp>
+      <p:sp>
+        <p:nvSpPr>
+          <p:cNvPr id="3" name="ZoneTexte 2">
+            <a:extLst>
+              <a:ext uri="{FF2B5EF4-FFF2-40B4-BE49-F238E27FC236}">
+                <a16:creationId xmlns:a16="http://schemas.microsoft.com/office/drawing/2014/main" id="{C06C3E41-2139-EF4A-9AE8-91AABA444D14}"/>
+              </a:ext>
+            </a:extLst>
+          </p:cNvPr>
+          <p:cNvSpPr txBox="1"/>
+          <p:nvPr/>
+        </p:nvSpPr>
+        <p:spPr>
+          <a:xfrm>
+            <a:off x="778933" y="2489200"/>
+            <a:ext cx="2963334" cy="646331"/>
+          </a:xfrm>
+          <a:prstGeom prst="rect">
+            <a:avLst/>
+          </a:prstGeom>
+          <a:noFill/>
+        </p:spPr>
+        <p:txBody>
+          <a:bodyPr wrap="square" rtlCol="0">
+            <a:spAutoFit/>
+          </a:bodyPr>
+          <a:lstStyle/>
+          <a:p>
+            <a:r>
+              <a:rPr lang="fr-FR" dirty="0"/>
+              <a:t>Kévin</a:t>
+            </a:r>
+          </a:p>
+          <a:p>
+            <a:endParaRPr lang="fr-FR" dirty="0"/>
+          </a:p>
+        </p:txBody>
+      </p:sp>
+      <p:sp>
+        <p:nvSpPr>
+          <p:cNvPr id="4" name="ZoneTexte 3">
+            <a:extLst>
+              <a:ext uri="{FF2B5EF4-FFF2-40B4-BE49-F238E27FC236}">
+                <a16:creationId xmlns:a16="http://schemas.microsoft.com/office/drawing/2014/main" id="{B5A0A083-47D2-B243-9C15-49979F406496}"/>
+              </a:ext>
+            </a:extLst>
+          </p:cNvPr>
+          <p:cNvSpPr txBox="1"/>
+          <p:nvPr/>
+        </p:nvSpPr>
+        <p:spPr>
+          <a:xfrm>
+            <a:off x="4614332" y="2489200"/>
+            <a:ext cx="2963334" cy="646331"/>
+          </a:xfrm>
+          <a:prstGeom prst="rect">
+            <a:avLst/>
+          </a:prstGeom>
+          <a:noFill/>
+        </p:spPr>
+        <p:txBody>
+          <a:bodyPr wrap="square" rtlCol="0">
+            <a:spAutoFit/>
+          </a:bodyPr>
+          <a:lstStyle/>
+          <a:p>
+            <a:r>
+              <a:rPr lang="fr-FR" dirty="0"/>
+              <a:t>Alexis</a:t>
+            </a:r>
+          </a:p>
+          <a:p>
+            <a:endParaRPr lang="fr-FR" dirty="0"/>
+          </a:p>
+        </p:txBody>
+      </p:sp>
+      <p:sp>
+        <p:nvSpPr>
+          <p:cNvPr id="5" name="ZoneTexte 4">
+            <a:extLst>
+              <a:ext uri="{FF2B5EF4-FFF2-40B4-BE49-F238E27FC236}">
+                <a16:creationId xmlns:a16="http://schemas.microsoft.com/office/drawing/2014/main" id="{B0B9D132-190A-2E40-B584-A201B84CB1C5}"/>
+              </a:ext>
+            </a:extLst>
+          </p:cNvPr>
+          <p:cNvSpPr txBox="1"/>
+          <p:nvPr/>
+        </p:nvSpPr>
+        <p:spPr>
+          <a:xfrm>
+            <a:off x="8405964" y="2456765"/>
+            <a:ext cx="2963334" cy="646331"/>
+          </a:xfrm>
+          <a:prstGeom prst="rect">
+            <a:avLst/>
+          </a:prstGeom>
+          <a:noFill/>
+        </p:spPr>
+        <p:txBody>
+          <a:bodyPr wrap="square" rtlCol="0">
+            <a:spAutoFit/>
+          </a:bodyPr>
+          <a:lstStyle/>
+          <a:p>
+            <a:r>
+              <a:rPr lang="fr-FR" dirty="0"/>
+              <a:t>Océane</a:t>
+            </a:r>
+          </a:p>
+          <a:p>
+            <a:endParaRPr lang="fr-FR" dirty="0"/>
+          </a:p>
+        </p:txBody>
+      </p:sp>
+      <p:sp>
+        <p:nvSpPr>
+          <p:cNvPr id="6" name="ZoneTexte 5">
+            <a:extLst>
+              <a:ext uri="{FF2B5EF4-FFF2-40B4-BE49-F238E27FC236}">
+                <a16:creationId xmlns:a16="http://schemas.microsoft.com/office/drawing/2014/main" id="{53DA9071-C5F2-415B-953E-9A5F519DCDBC}"/>
+              </a:ext>
+            </a:extLst>
+          </p:cNvPr>
+          <p:cNvSpPr txBox="1"/>
+          <p:nvPr/>
+        </p:nvSpPr>
+        <p:spPr>
+          <a:xfrm>
+            <a:off x="313267" y="3002181"/>
+            <a:ext cx="3429000" cy="3693319"/>
+          </a:xfrm>
+          <a:prstGeom prst="rect">
+            <a:avLst/>
+          </a:prstGeom>
+          <a:noFill/>
+        </p:spPr>
+        <p:txBody>
+          <a:bodyPr wrap="square" rtlCol="0">
+            <a:spAutoFit/>
+          </a:bodyPr>
+          <a:lstStyle/>
+          <a:p>
+            <a:r>
+              <a:rPr lang="fr-FR" dirty="0"/>
+              <a:t>Ce projet m’a beaucoup plus dans le sens où il m’a permis d’appliquer les connaissances et d’approfondir les notions vues en TP. Cette semaine de projet piscine fut fort enrichissante pour ma part et je suis ravi d’avoir collaboré avec mes collègues et d’avoir atteint le résultat présent, bien que perfectible.  </a:t>
             </a:r>
           </a:p>
         </p:txBody>
@@ -6951,7 +7494,7 @@
     </p:spTree>
     <p:extLst>
       <p:ext uri="{BB962C8B-B14F-4D97-AF65-F5344CB8AC3E}">
-        <p14:creationId xmlns:p14="http://schemas.microsoft.com/office/powerpoint/2010/main" val="638192655"/>
+        <p14:creationId xmlns:p14="http://schemas.microsoft.com/office/powerpoint/2010/main" val="3674186932"/>
       </p:ext>
     </p:extLst>
   </p:cSld>
